--- a/Node/NodeProjectSteps.pptx
+++ b/Node/NodeProjectSteps.pptx
@@ -206,7 +206,7 @@
           <a:p>
             <a:fld id="{3AE6745E-77EB-42D5-B5A3-E5189EB4FA04}" type="datetimeFigureOut">
               <a:rPr lang="en-US" smtClean="0"/>
-              <a:t>4/4/2025</a:t>
+              <a:t>4/7/2025</a:t>
             </a:fld>
             <a:endParaRPr lang="en-US"/>
           </a:p>
@@ -739,7 +739,7 @@
           <a:p>
             <a:fld id="{E12F8FD7-465A-412B-B9FC-40A0E97E2C53}" type="datetimeFigureOut">
               <a:rPr lang="en-US" smtClean="0"/>
-              <a:t>4/4/2025</a:t>
+              <a:t>4/7/2025</a:t>
             </a:fld>
             <a:endParaRPr lang="en-US"/>
           </a:p>
@@ -909,7 +909,7 @@
           <a:p>
             <a:fld id="{E12F8FD7-465A-412B-B9FC-40A0E97E2C53}" type="datetimeFigureOut">
               <a:rPr lang="en-US" smtClean="0"/>
-              <a:t>4/4/2025</a:t>
+              <a:t>4/7/2025</a:t>
             </a:fld>
             <a:endParaRPr lang="en-US"/>
           </a:p>
@@ -1089,7 +1089,7 @@
           <a:p>
             <a:fld id="{E12F8FD7-465A-412B-B9FC-40A0E97E2C53}" type="datetimeFigureOut">
               <a:rPr lang="en-US" smtClean="0"/>
-              <a:t>4/4/2025</a:t>
+              <a:t>4/7/2025</a:t>
             </a:fld>
             <a:endParaRPr lang="en-US"/>
           </a:p>
@@ -1259,7 +1259,7 @@
           <a:p>
             <a:fld id="{E12F8FD7-465A-412B-B9FC-40A0E97E2C53}" type="datetimeFigureOut">
               <a:rPr lang="en-US" smtClean="0"/>
-              <a:t>4/4/2025</a:t>
+              <a:t>4/7/2025</a:t>
             </a:fld>
             <a:endParaRPr lang="en-US"/>
           </a:p>
@@ -1505,7 +1505,7 @@
           <a:p>
             <a:fld id="{E12F8FD7-465A-412B-B9FC-40A0E97E2C53}" type="datetimeFigureOut">
               <a:rPr lang="en-US" smtClean="0"/>
-              <a:t>4/4/2025</a:t>
+              <a:t>4/7/2025</a:t>
             </a:fld>
             <a:endParaRPr lang="en-US"/>
           </a:p>
@@ -1793,7 +1793,7 @@
           <a:p>
             <a:fld id="{E12F8FD7-465A-412B-B9FC-40A0E97E2C53}" type="datetimeFigureOut">
               <a:rPr lang="en-US" smtClean="0"/>
-              <a:t>4/4/2025</a:t>
+              <a:t>4/7/2025</a:t>
             </a:fld>
             <a:endParaRPr lang="en-US"/>
           </a:p>
@@ -2215,7 +2215,7 @@
           <a:p>
             <a:fld id="{E12F8FD7-465A-412B-B9FC-40A0E97E2C53}" type="datetimeFigureOut">
               <a:rPr lang="en-US" smtClean="0"/>
-              <a:t>4/4/2025</a:t>
+              <a:t>4/7/2025</a:t>
             </a:fld>
             <a:endParaRPr lang="en-US"/>
           </a:p>
@@ -2333,7 +2333,7 @@
           <a:p>
             <a:fld id="{E12F8FD7-465A-412B-B9FC-40A0E97E2C53}" type="datetimeFigureOut">
               <a:rPr lang="en-US" smtClean="0"/>
-              <a:t>4/4/2025</a:t>
+              <a:t>4/7/2025</a:t>
             </a:fld>
             <a:endParaRPr lang="en-US"/>
           </a:p>
@@ -2428,7 +2428,7 @@
           <a:p>
             <a:fld id="{E12F8FD7-465A-412B-B9FC-40A0E97E2C53}" type="datetimeFigureOut">
               <a:rPr lang="en-US" smtClean="0"/>
-              <a:t>4/4/2025</a:t>
+              <a:t>4/7/2025</a:t>
             </a:fld>
             <a:endParaRPr lang="en-US"/>
           </a:p>
@@ -2705,7 +2705,7 @@
           <a:p>
             <a:fld id="{E12F8FD7-465A-412B-B9FC-40A0E97E2C53}" type="datetimeFigureOut">
               <a:rPr lang="en-US" smtClean="0"/>
-              <a:t>4/4/2025</a:t>
+              <a:t>4/7/2025</a:t>
             </a:fld>
             <a:endParaRPr lang="en-US"/>
           </a:p>
@@ -2958,7 +2958,7 @@
           <a:p>
             <a:fld id="{E12F8FD7-465A-412B-B9FC-40A0E97E2C53}" type="datetimeFigureOut">
               <a:rPr lang="en-US" smtClean="0"/>
-              <a:t>4/4/2025</a:t>
+              <a:t>4/7/2025</a:t>
             </a:fld>
             <a:endParaRPr lang="en-US"/>
           </a:p>
@@ -3171,7 +3171,7 @@
           <a:p>
             <a:fld id="{E12F8FD7-465A-412B-B9FC-40A0E97E2C53}" type="datetimeFigureOut">
               <a:rPr lang="en-US" smtClean="0"/>
-              <a:t>4/4/2025</a:t>
+              <a:t>4/7/2025</a:t>
             </a:fld>
             <a:endParaRPr lang="en-US"/>
           </a:p>
@@ -3854,7 +3854,7 @@
       </p:sp>
       <p:pic>
         <p:nvPicPr>
-          <p:cNvPr id="7170" name="Picture 2"/>
+          <p:cNvPr id="1026" name="Picture 2"/>
           <p:cNvPicPr>
             <a:picLocks noGrp="1" noChangeAspect="1" noChangeArrowheads="1"/>
           </p:cNvPicPr>
@@ -3877,8 +3877,8 @@
         </p:blipFill>
         <p:spPr bwMode="auto">
           <a:xfrm>
-            <a:off x="1600199" y="1250872"/>
-            <a:ext cx="5858633" cy="5149927"/>
+            <a:off x="1302833" y="1600200"/>
+            <a:ext cx="6538333" cy="4525963"/>
           </a:xfrm>
           <a:prstGeom prst="rect">
             <a:avLst/>
@@ -5443,6 +5443,61 @@
           </a:extLst>
         </p:spPr>
       </p:pic>
+      <p:sp>
+        <p:nvSpPr>
+          <p:cNvPr id="4" name="Rectangle 3"/>
+          <p:cNvSpPr/>
+          <p:nvPr/>
+        </p:nvSpPr>
+        <p:spPr>
+          <a:xfrm>
+            <a:off x="5292437" y="2743200"/>
+            <a:ext cx="2743200" cy="923330"/>
+          </a:xfrm>
+          <a:prstGeom prst="rect">
+            <a:avLst/>
+          </a:prstGeom>
+        </p:spPr>
+        <p:txBody>
+          <a:bodyPr wrap="square">
+            <a:spAutoFit/>
+          </a:bodyPr>
+          <a:lstStyle/>
+          <a:p>
+            <a:r>
+              <a:rPr lang="en-US" i="1" dirty="0">
+                <a:solidFill>
+                  <a:srgbClr val="FF0000"/>
+                </a:solidFill>
+              </a:rPr>
+              <a:t>to use the new Server Discovery </a:t>
+            </a:r>
+            <a:endParaRPr lang="en-US" i="1" dirty="0" smtClean="0">
+              <a:solidFill>
+                <a:srgbClr val="FF0000"/>
+              </a:solidFill>
+            </a:endParaRPr>
+          </a:p>
+          <a:p>
+            <a:r>
+              <a:rPr lang="en-US" i="1" dirty="0" smtClean="0">
+                <a:solidFill>
+                  <a:srgbClr val="FF0000"/>
+                </a:solidFill>
+              </a:rPr>
+              <a:t>and </a:t>
+            </a:r>
+            <a:r>
+              <a:rPr lang="en-US" i="1" dirty="0">
+                <a:solidFill>
+                  <a:srgbClr val="FF0000"/>
+                </a:solidFill>
+              </a:rPr>
+              <a:t>Monitoring engine</a:t>
+            </a:r>
+          </a:p>
+        </p:txBody>
+      </p:sp>
     </p:spTree>
     <p:extLst>
       <p:ext uri="{BB962C8B-B14F-4D97-AF65-F5344CB8AC3E}">

--- a/Node/NodeProjectSteps.pptx
+++ b/Node/NodeProjectSteps.pptx
@@ -4010,7 +4010,7 @@
       </p:sp>
       <p:pic>
         <p:nvPicPr>
-          <p:cNvPr id="8194" name="Picture 2"/>
+          <p:cNvPr id="2050" name="Picture 2"/>
           <p:cNvPicPr>
             <a:picLocks noChangeAspect="1" noChangeArrowheads="1"/>
           </p:cNvPicPr>
@@ -4031,8 +4031,8 @@
         </p:blipFill>
         <p:spPr bwMode="auto">
           <a:xfrm>
-            <a:off x="381000" y="2362200"/>
-            <a:ext cx="8514413" cy="2137363"/>
+            <a:off x="685801" y="2309631"/>
+            <a:ext cx="7696200" cy="4345561"/>
           </a:xfrm>
           <a:prstGeom prst="rect">
             <a:avLst/>
